--- a/数据库/数据库要点/配图.pptx
+++ b/数据库/数据库要点/配图.pptx
@@ -5,15 +5,16 @@
     <p:sldMasterId id="2147483649" r:id="rId1"/>
   </p:sldMasterIdLst>
   <p:notesMasterIdLst>
-    <p:notesMasterId r:id="rId8"/>
+    <p:notesMasterId r:id="rId9"/>
   </p:notesMasterIdLst>
   <p:sldIdLst>
-    <p:sldId id="292" r:id="rId2"/>
-    <p:sldId id="295" r:id="rId3"/>
-    <p:sldId id="296" r:id="rId4"/>
-    <p:sldId id="297" r:id="rId5"/>
-    <p:sldId id="298" r:id="rId6"/>
-    <p:sldId id="299" r:id="rId7"/>
+    <p:sldId id="300" r:id="rId2"/>
+    <p:sldId id="292" r:id="rId3"/>
+    <p:sldId id="295" r:id="rId4"/>
+    <p:sldId id="296" r:id="rId5"/>
+    <p:sldId id="297" r:id="rId6"/>
+    <p:sldId id="298" r:id="rId7"/>
+    <p:sldId id="299" r:id="rId8"/>
   </p:sldIdLst>
   <p:sldSz cx="12192000" cy="6858000"/>
   <p:notesSz cx="6858000" cy="9144000"/>
@@ -5833,7 +5834,7 @@
     </p:spTree>
     <p:extLst>
       <p:ext uri="{BB962C8B-B14F-4D97-AF65-F5344CB8AC3E}">
-        <p14:creationId xmlns:p14="http://schemas.microsoft.com/office/powerpoint/2010/main" val="667599846"/>
+        <p14:creationId xmlns:p14="http://schemas.microsoft.com/office/powerpoint/2010/main" val="3856069755"/>
       </p:ext>
     </p:extLst>
   </p:cSld>
@@ -5899,7 +5900,7 @@
     </p:spTree>
     <p:extLst>
       <p:ext uri="{BB962C8B-B14F-4D97-AF65-F5344CB8AC3E}">
-        <p14:creationId xmlns:p14="http://schemas.microsoft.com/office/powerpoint/2010/main" val="3790502247"/>
+        <p14:creationId xmlns:p14="http://schemas.microsoft.com/office/powerpoint/2010/main" val="667599846"/>
       </p:ext>
     </p:extLst>
   </p:cSld>
@@ -5965,7 +5966,7 @@
     </p:spTree>
     <p:extLst>
       <p:ext uri="{BB962C8B-B14F-4D97-AF65-F5344CB8AC3E}">
-        <p14:creationId xmlns:p14="http://schemas.microsoft.com/office/powerpoint/2010/main" val="3668788853"/>
+        <p14:creationId xmlns:p14="http://schemas.microsoft.com/office/powerpoint/2010/main" val="3790502247"/>
       </p:ext>
     </p:extLst>
   </p:cSld>
@@ -6031,7 +6032,7 @@
     </p:spTree>
     <p:extLst>
       <p:ext uri="{BB962C8B-B14F-4D97-AF65-F5344CB8AC3E}">
-        <p14:creationId xmlns:p14="http://schemas.microsoft.com/office/powerpoint/2010/main" val="3436149696"/>
+        <p14:creationId xmlns:p14="http://schemas.microsoft.com/office/powerpoint/2010/main" val="3668788853"/>
       </p:ext>
     </p:extLst>
   </p:cSld>
@@ -6097,6 +6098,72 @@
     </p:spTree>
     <p:extLst>
       <p:ext uri="{BB962C8B-B14F-4D97-AF65-F5344CB8AC3E}">
+        <p14:creationId xmlns:p14="http://schemas.microsoft.com/office/powerpoint/2010/main" val="3436149696"/>
+      </p:ext>
+    </p:extLst>
+  </p:cSld>
+  <p:clrMapOvr>
+    <a:masterClrMapping/>
+  </p:clrMapOvr>
+</p:notes>
+</file>
+
+<file path=ppt/notesSlides/notesSlide6.xml><?xml version="1.0" encoding="utf-8"?>
+<p:notes xmlns:a="http://schemas.openxmlformats.org/drawingml/2006/main" xmlns:r="http://schemas.openxmlformats.org/officeDocument/2006/relationships" xmlns:p="http://schemas.openxmlformats.org/presentationml/2006/main">
+  <p:cSld>
+    <p:spTree>
+      <p:nvGrpSpPr>
+        <p:cNvPr id="1" name=""/>
+        <p:cNvGrpSpPr/>
+        <p:nvPr/>
+      </p:nvGrpSpPr>
+      <p:grpSpPr>
+        <a:xfrm>
+          <a:off x="0" y="0"/>
+          <a:ext cx="0" cy="0"/>
+          <a:chOff x="0" y="0"/>
+          <a:chExt cx="0" cy="0"/>
+        </a:xfrm>
+      </p:grpSpPr>
+      <p:sp>
+        <p:nvSpPr>
+          <p:cNvPr id="2" name="幻灯片图像占位符 1"/>
+          <p:cNvSpPr>
+            <a:spLocks noGrp="1" noRot="1" noChangeAspect="1"/>
+          </p:cNvSpPr>
+          <p:nvPr>
+            <p:ph type="sldImg"/>
+          </p:nvPr>
+        </p:nvSpPr>
+        <p:spPr>
+          <a:xfrm>
+            <a:off x="381000" y="685800"/>
+            <a:ext cx="6096000" cy="3429000"/>
+          </a:xfrm>
+        </p:spPr>
+      </p:sp>
+      <p:sp>
+        <p:nvSpPr>
+          <p:cNvPr id="3" name="备注占位符 2"/>
+          <p:cNvSpPr>
+            <a:spLocks noGrp="1"/>
+          </p:cNvSpPr>
+          <p:nvPr>
+            <p:ph type="body" idx="1"/>
+          </p:nvPr>
+        </p:nvSpPr>
+        <p:spPr/>
+        <p:txBody>
+          <a:bodyPr/>
+          <a:lstStyle/>
+          <a:p>
+            <a:endParaRPr lang="zh-CN" altLang="en-US" dirty="0"/>
+          </a:p>
+        </p:txBody>
+      </p:sp>
+    </p:spTree>
+    <p:extLst>
+      <p:ext uri="{BB962C8B-B14F-4D97-AF65-F5344CB8AC3E}">
         <p14:creationId xmlns:p14="http://schemas.microsoft.com/office/powerpoint/2010/main" val="2920046655"/>
       </p:ext>
     </p:extLst>
@@ -6107,7 +6174,7 @@
 </p:notes>
 </file>
 
-<file path=ppt/notesSlides/notesSlide6.xml><?xml version="1.0" encoding="utf-8"?>
+<file path=ppt/notesSlides/notesSlide7.xml><?xml version="1.0" encoding="utf-8"?>
 <p:notes xmlns:a="http://schemas.openxmlformats.org/drawingml/2006/main" xmlns:r="http://schemas.openxmlformats.org/officeDocument/2006/relationships" xmlns:p="http://schemas.openxmlformats.org/presentationml/2006/main">
   <p:cSld>
     <p:spTree>
@@ -8989,6 +9056,2042 @@
         </p:blipFill>
         <p:spPr>
           <a:xfrm>
+            <a:off x="3215680" y="1556452"/>
+            <a:ext cx="6120680" cy="2808312"/>
+          </a:xfrm>
+          <a:prstGeom prst="rect">
+            <a:avLst/>
+          </a:prstGeom>
+          <a:ln>
+            <a:solidFill>
+              <a:schemeClr val="bg1"/>
+            </a:solidFill>
+          </a:ln>
+          <a:effectLst/>
+        </p:spPr>
+      </p:pic>
+      <p:graphicFrame>
+        <p:nvGraphicFramePr>
+          <p:cNvPr id="78" name="表格 77">
+            <a:extLst>
+              <a:ext uri="{FF2B5EF4-FFF2-40B4-BE49-F238E27FC236}">
+                <a16:creationId xmlns:a16="http://schemas.microsoft.com/office/drawing/2014/main" id="{FF252C29-EF21-4355-A912-49256C22FA06}"/>
+              </a:ext>
+            </a:extLst>
+          </p:cNvPr>
+          <p:cNvGraphicFramePr>
+            <a:graphicFrameLocks noGrp="1"/>
+          </p:cNvGraphicFramePr>
+          <p:nvPr>
+            <p:extLst>
+              <p:ext uri="{D42A27DB-BD31-4B8C-83A1-F6EECF244321}">
+                <p14:modId xmlns:p14="http://schemas.microsoft.com/office/powerpoint/2010/main" val="2971639870"/>
+              </p:ext>
+            </p:extLst>
+          </p:nvPr>
+        </p:nvGraphicFramePr>
+        <p:xfrm>
+          <a:off x="3566719" y="1750198"/>
+          <a:ext cx="5418602" cy="2087104"/>
+        </p:xfrm>
+        <a:graphic>
+          <a:graphicData uri="http://schemas.openxmlformats.org/drawingml/2006/table">
+            <a:tbl>
+              <a:tblPr/>
+              <a:tblGrid>
+                <a:gridCol w="1024426">
+                  <a:extLst>
+                    <a:ext uri="{9D8B030D-6E8A-4147-A177-3AD203B41FA5}">
+                      <a16:colId xmlns:a16="http://schemas.microsoft.com/office/drawing/2014/main" val="3948644296"/>
+                    </a:ext>
+                  </a:extLst>
+                </a:gridCol>
+                <a:gridCol w="1339394">
+                  <a:extLst>
+                    <a:ext uri="{9D8B030D-6E8A-4147-A177-3AD203B41FA5}">
+                      <a16:colId xmlns:a16="http://schemas.microsoft.com/office/drawing/2014/main" val="3723654050"/>
+                    </a:ext>
+                  </a:extLst>
+                </a:gridCol>
+                <a:gridCol w="1527391">
+                  <a:extLst>
+                    <a:ext uri="{9D8B030D-6E8A-4147-A177-3AD203B41FA5}">
+                      <a16:colId xmlns:a16="http://schemas.microsoft.com/office/drawing/2014/main" val="4270415431"/>
+                    </a:ext>
+                  </a:extLst>
+                </a:gridCol>
+                <a:gridCol w="1527391">
+                  <a:extLst>
+                    <a:ext uri="{9D8B030D-6E8A-4147-A177-3AD203B41FA5}">
+                      <a16:colId xmlns:a16="http://schemas.microsoft.com/office/drawing/2014/main" val="2294224022"/>
+                    </a:ext>
+                  </a:extLst>
+                </a:gridCol>
+              </a:tblGrid>
+              <a:tr h="493037">
+                <a:tc>
+                  <a:txBody>
+                    <a:bodyPr/>
+                    <a:lstStyle/>
+                    <a:p>
+                      <a:pPr algn="ctr" fontAlgn="ctr">
+                        <a:lnSpc>
+                          <a:spcPct val="150000"/>
+                        </a:lnSpc>
+                      </a:pPr>
+                      <a:endParaRPr lang="zh-CN" altLang="en-US" sz="1400" b="1" dirty="0">
+                        <a:solidFill>
+                          <a:schemeClr val="bg1"/>
+                        </a:solidFill>
+                        <a:effectLst/>
+                        <a:latin typeface="微软雅黑" panose="020B0503020204020204" pitchFamily="34" charset="-122"/>
+                        <a:ea typeface="微软雅黑" panose="020B0503020204020204" pitchFamily="34" charset="-122"/>
+                      </a:endParaRPr>
+                    </a:p>
+                  </a:txBody>
+                  <a:tcPr marL="18100" marR="18100" marT="18100" marB="18100" anchor="ctr">
+                    <a:lnL w="9525" cap="flat" cmpd="sng" algn="ctr">
+                      <a:solidFill>
+                        <a:srgbClr val="DDDDDD"/>
+                      </a:solidFill>
+                      <a:prstDash val="solid"/>
+                      <a:round/>
+                      <a:headEnd type="none" w="med" len="med"/>
+                      <a:tailEnd type="none" w="med" len="med"/>
+                    </a:lnL>
+                    <a:lnR w="9525" cap="flat" cmpd="sng" algn="ctr">
+                      <a:solidFill>
+                        <a:srgbClr val="DDDDDD"/>
+                      </a:solidFill>
+                      <a:prstDash val="solid"/>
+                      <a:round/>
+                      <a:headEnd type="none" w="med" len="med"/>
+                      <a:tailEnd type="none" w="med" len="med"/>
+                    </a:lnR>
+                    <a:lnT w="9525" cap="flat" cmpd="sng" algn="ctr">
+                      <a:solidFill>
+                        <a:srgbClr val="DDDDDD"/>
+                      </a:solidFill>
+                      <a:prstDash val="solid"/>
+                      <a:round/>
+                      <a:headEnd type="none" w="med" len="med"/>
+                      <a:tailEnd type="none" w="med" len="med"/>
+                    </a:lnT>
+                    <a:lnB w="9525" cap="flat" cmpd="sng" algn="ctr">
+                      <a:solidFill>
+                        <a:srgbClr val="DDDDDD"/>
+                      </a:solidFill>
+                      <a:prstDash val="solid"/>
+                      <a:round/>
+                      <a:headEnd type="none" w="med" len="med"/>
+                      <a:tailEnd type="none" w="med" len="med"/>
+                    </a:lnB>
+                    <a:solidFill>
+                      <a:schemeClr val="bg1">
+                        <a:lumMod val="50000"/>
+                      </a:schemeClr>
+                    </a:solidFill>
+                  </a:tcPr>
+                </a:tc>
+                <a:tc>
+                  <a:txBody>
+                    <a:bodyPr/>
+                    <a:lstStyle/>
+                    <a:p>
+                      <a:pPr algn="ctr" fontAlgn="ctr">
+                        <a:lnSpc>
+                          <a:spcPct val="150000"/>
+                        </a:lnSpc>
+                      </a:pPr>
+                      <a:r>
+                        <a:rPr lang="en-US" sz="1400" b="0" dirty="0" err="1">
+                          <a:solidFill>
+                            <a:schemeClr val="bg1"/>
+                          </a:solidFill>
+                          <a:effectLst/>
+                          <a:latin typeface="微软雅黑" panose="020B0503020204020204" pitchFamily="34" charset="-122"/>
+                          <a:ea typeface="微软雅黑" panose="020B0503020204020204" pitchFamily="34" charset="-122"/>
+                        </a:rPr>
+                        <a:t>InnoDB</a:t>
+                      </a:r>
+                      <a:r>
+                        <a:rPr lang="zh-CN" altLang="en-US" sz="1400" b="0" dirty="0">
+                          <a:solidFill>
+                            <a:schemeClr val="bg1"/>
+                          </a:solidFill>
+                          <a:effectLst/>
+                          <a:latin typeface="微软雅黑" panose="020B0503020204020204" pitchFamily="34" charset="-122"/>
+                          <a:ea typeface="微软雅黑" panose="020B0503020204020204" pitchFamily="34" charset="-122"/>
+                        </a:rPr>
+                        <a:t>引擎</a:t>
+                      </a:r>
+                      <a:endParaRPr lang="en-US" sz="1400" b="0" dirty="0">
+                        <a:solidFill>
+                          <a:schemeClr val="bg1"/>
+                        </a:solidFill>
+                        <a:effectLst/>
+                        <a:latin typeface="微软雅黑" panose="020B0503020204020204" pitchFamily="34" charset="-122"/>
+                        <a:ea typeface="微软雅黑" panose="020B0503020204020204" pitchFamily="34" charset="-122"/>
+                      </a:endParaRPr>
+                    </a:p>
+                  </a:txBody>
+                  <a:tcPr marL="18100" marR="18100" marT="18100" marB="18100" anchor="ctr">
+                    <a:lnL w="9525" cap="flat" cmpd="sng" algn="ctr">
+                      <a:solidFill>
+                        <a:srgbClr val="DDDDDD"/>
+                      </a:solidFill>
+                      <a:prstDash val="solid"/>
+                      <a:round/>
+                      <a:headEnd type="none" w="med" len="med"/>
+                      <a:tailEnd type="none" w="med" len="med"/>
+                    </a:lnL>
+                    <a:lnR w="9525" cap="flat" cmpd="sng" algn="ctr">
+                      <a:solidFill>
+                        <a:srgbClr val="DDDDDD"/>
+                      </a:solidFill>
+                      <a:prstDash val="solid"/>
+                      <a:round/>
+                      <a:headEnd type="none" w="med" len="med"/>
+                      <a:tailEnd type="none" w="med" len="med"/>
+                    </a:lnR>
+                    <a:lnT w="9525" cap="flat" cmpd="sng" algn="ctr">
+                      <a:solidFill>
+                        <a:srgbClr val="DDDDDD"/>
+                      </a:solidFill>
+                      <a:prstDash val="solid"/>
+                      <a:round/>
+                      <a:headEnd type="none" w="med" len="med"/>
+                      <a:tailEnd type="none" w="med" len="med"/>
+                    </a:lnT>
+                    <a:lnB w="9525" cap="flat" cmpd="sng" algn="ctr">
+                      <a:solidFill>
+                        <a:srgbClr val="DDDDDD"/>
+                      </a:solidFill>
+                      <a:prstDash val="solid"/>
+                      <a:round/>
+                      <a:headEnd type="none" w="med" len="med"/>
+                      <a:tailEnd type="none" w="med" len="med"/>
+                    </a:lnB>
+                    <a:solidFill>
+                      <a:schemeClr val="bg1">
+                        <a:lumMod val="50000"/>
+                      </a:schemeClr>
+                    </a:solidFill>
+                  </a:tcPr>
+                </a:tc>
+                <a:tc>
+                  <a:txBody>
+                    <a:bodyPr/>
+                    <a:lstStyle/>
+                    <a:p>
+                      <a:pPr algn="ctr" fontAlgn="ctr">
+                        <a:lnSpc>
+                          <a:spcPct val="150000"/>
+                        </a:lnSpc>
+                      </a:pPr>
+                      <a:r>
+                        <a:rPr lang="en-US" sz="1400" b="0" dirty="0" err="1">
+                          <a:solidFill>
+                            <a:schemeClr val="bg1"/>
+                          </a:solidFill>
+                          <a:effectLst/>
+                          <a:latin typeface="微软雅黑" panose="020B0503020204020204" pitchFamily="34" charset="-122"/>
+                          <a:ea typeface="微软雅黑" panose="020B0503020204020204" pitchFamily="34" charset="-122"/>
+                        </a:rPr>
+                        <a:t>MyISAM</a:t>
+                      </a:r>
+                      <a:r>
+                        <a:rPr lang="en-US" sz="1400" b="0" dirty="0">
+                          <a:solidFill>
+                            <a:schemeClr val="bg1"/>
+                          </a:solidFill>
+                          <a:effectLst/>
+                          <a:latin typeface="微软雅黑" panose="020B0503020204020204" pitchFamily="34" charset="-122"/>
+                          <a:ea typeface="微软雅黑" panose="020B0503020204020204" pitchFamily="34" charset="-122"/>
+                        </a:rPr>
+                        <a:t> </a:t>
+                      </a:r>
+                      <a:r>
+                        <a:rPr lang="zh-CN" altLang="en-US" sz="1400" b="0" dirty="0">
+                          <a:solidFill>
+                            <a:schemeClr val="bg1"/>
+                          </a:solidFill>
+                          <a:effectLst/>
+                          <a:latin typeface="微软雅黑" panose="020B0503020204020204" pitchFamily="34" charset="-122"/>
+                          <a:ea typeface="微软雅黑" panose="020B0503020204020204" pitchFamily="34" charset="-122"/>
+                        </a:rPr>
+                        <a:t>引擎</a:t>
+                      </a:r>
+                      <a:endParaRPr lang="en-US" sz="1400" b="0" dirty="0">
+                        <a:solidFill>
+                          <a:schemeClr val="bg1"/>
+                        </a:solidFill>
+                        <a:effectLst/>
+                        <a:latin typeface="微软雅黑" panose="020B0503020204020204" pitchFamily="34" charset="-122"/>
+                        <a:ea typeface="微软雅黑" panose="020B0503020204020204" pitchFamily="34" charset="-122"/>
+                      </a:endParaRPr>
+                    </a:p>
+                  </a:txBody>
+                  <a:tcPr marL="18100" marR="18100" marT="18100" marB="18100" anchor="ctr">
+                    <a:lnL w="9525" cap="flat" cmpd="sng" algn="ctr">
+                      <a:solidFill>
+                        <a:srgbClr val="DDDDDD"/>
+                      </a:solidFill>
+                      <a:prstDash val="solid"/>
+                      <a:round/>
+                      <a:headEnd type="none" w="med" len="med"/>
+                      <a:tailEnd type="none" w="med" len="med"/>
+                    </a:lnL>
+                    <a:lnR w="9525" cap="flat" cmpd="sng" algn="ctr">
+                      <a:solidFill>
+                        <a:srgbClr val="DDDDDD"/>
+                      </a:solidFill>
+                      <a:prstDash val="solid"/>
+                      <a:round/>
+                      <a:headEnd type="none" w="med" len="med"/>
+                      <a:tailEnd type="none" w="med" len="med"/>
+                    </a:lnR>
+                    <a:lnT w="9525" cap="flat" cmpd="sng" algn="ctr">
+                      <a:solidFill>
+                        <a:srgbClr val="DDDDDD"/>
+                      </a:solidFill>
+                      <a:prstDash val="solid"/>
+                      <a:round/>
+                      <a:headEnd type="none" w="med" len="med"/>
+                      <a:tailEnd type="none" w="med" len="med"/>
+                    </a:lnT>
+                    <a:lnB w="9525" cap="flat" cmpd="sng" algn="ctr">
+                      <a:solidFill>
+                        <a:srgbClr val="DDDDDD"/>
+                      </a:solidFill>
+                      <a:prstDash val="solid"/>
+                      <a:round/>
+                      <a:headEnd type="none" w="med" len="med"/>
+                      <a:tailEnd type="none" w="med" len="med"/>
+                    </a:lnB>
+                    <a:solidFill>
+                      <a:schemeClr val="bg1">
+                        <a:lumMod val="50000"/>
+                      </a:schemeClr>
+                    </a:solidFill>
+                  </a:tcPr>
+                </a:tc>
+                <a:tc>
+                  <a:txBody>
+                    <a:bodyPr/>
+                    <a:lstStyle/>
+                    <a:p>
+                      <a:pPr algn="ctr" fontAlgn="ctr">
+                        <a:lnSpc>
+                          <a:spcPct val="150000"/>
+                        </a:lnSpc>
+                      </a:pPr>
+                      <a:r>
+                        <a:rPr lang="en-US" sz="1400" b="0" dirty="0">
+                          <a:solidFill>
+                            <a:schemeClr val="bg1"/>
+                          </a:solidFill>
+                          <a:effectLst/>
+                          <a:latin typeface="微软雅黑" panose="020B0503020204020204" pitchFamily="34" charset="-122"/>
+                          <a:ea typeface="微软雅黑" panose="020B0503020204020204" pitchFamily="34" charset="-122"/>
+                        </a:rPr>
+                        <a:t>M</a:t>
+                      </a:r>
+                      <a:r>
+                        <a:rPr lang="en-US" altLang="zh-CN" sz="1400" b="0" dirty="0">
+                          <a:solidFill>
+                            <a:schemeClr val="bg1"/>
+                          </a:solidFill>
+                          <a:effectLst/>
+                          <a:latin typeface="微软雅黑" panose="020B0503020204020204" pitchFamily="34" charset="-122"/>
+                          <a:ea typeface="微软雅黑" panose="020B0503020204020204" pitchFamily="34" charset="-122"/>
+                        </a:rPr>
+                        <a:t>emory</a:t>
+                      </a:r>
+                      <a:r>
+                        <a:rPr lang="zh-CN" altLang="en-US" sz="1400" b="0" dirty="0">
+                          <a:solidFill>
+                            <a:schemeClr val="bg1"/>
+                          </a:solidFill>
+                          <a:effectLst/>
+                          <a:latin typeface="微软雅黑" panose="020B0503020204020204" pitchFamily="34" charset="-122"/>
+                          <a:ea typeface="微软雅黑" panose="020B0503020204020204" pitchFamily="34" charset="-122"/>
+                        </a:rPr>
+                        <a:t>引擎</a:t>
+                      </a:r>
+                      <a:endParaRPr lang="en-US" sz="1400" b="0" dirty="0">
+                        <a:solidFill>
+                          <a:schemeClr val="bg1"/>
+                        </a:solidFill>
+                        <a:effectLst/>
+                        <a:latin typeface="微软雅黑" panose="020B0503020204020204" pitchFamily="34" charset="-122"/>
+                        <a:ea typeface="微软雅黑" panose="020B0503020204020204" pitchFamily="34" charset="-122"/>
+                      </a:endParaRPr>
+                    </a:p>
+                  </a:txBody>
+                  <a:tcPr marL="18100" marR="18100" marT="18100" marB="18100" anchor="ctr">
+                    <a:lnL w="9525" cap="flat" cmpd="sng" algn="ctr">
+                      <a:solidFill>
+                        <a:srgbClr val="DDDDDD"/>
+                      </a:solidFill>
+                      <a:prstDash val="solid"/>
+                      <a:round/>
+                      <a:headEnd type="none" w="med" len="med"/>
+                      <a:tailEnd type="none" w="med" len="med"/>
+                    </a:lnL>
+                    <a:lnR w="9525" cap="flat" cmpd="sng" algn="ctr">
+                      <a:solidFill>
+                        <a:srgbClr val="DDDDDD"/>
+                      </a:solidFill>
+                      <a:prstDash val="solid"/>
+                      <a:round/>
+                      <a:headEnd type="none" w="med" len="med"/>
+                      <a:tailEnd type="none" w="med" len="med"/>
+                    </a:lnR>
+                    <a:lnT w="9525" cap="flat" cmpd="sng" algn="ctr">
+                      <a:solidFill>
+                        <a:srgbClr val="DDDDDD"/>
+                      </a:solidFill>
+                      <a:prstDash val="solid"/>
+                      <a:round/>
+                      <a:headEnd type="none" w="med" len="med"/>
+                      <a:tailEnd type="none" w="med" len="med"/>
+                    </a:lnT>
+                    <a:lnB w="9525" cap="flat" cmpd="sng" algn="ctr">
+                      <a:solidFill>
+                        <a:srgbClr val="DDDDDD"/>
+                      </a:solidFill>
+                      <a:prstDash val="solid"/>
+                      <a:round/>
+                      <a:headEnd type="none" w="med" len="med"/>
+                      <a:tailEnd type="none" w="med" len="med"/>
+                    </a:lnB>
+                    <a:solidFill>
+                      <a:schemeClr val="bg1">
+                        <a:lumMod val="50000"/>
+                      </a:schemeClr>
+                    </a:solidFill>
+                  </a:tcPr>
+                </a:tc>
+                <a:extLst>
+                  <a:ext uri="{0D108BD9-81ED-4DB2-BD59-A6C34878D82A}">
+                    <a16:rowId xmlns:a16="http://schemas.microsoft.com/office/drawing/2014/main" val="1556317445"/>
+                  </a:ext>
+                </a:extLst>
+              </a:tr>
+              <a:tr h="427652">
+                <a:tc>
+                  <a:txBody>
+                    <a:bodyPr/>
+                    <a:lstStyle/>
+                    <a:p>
+                      <a:pPr marL="0" algn="ctr" defTabSz="914400" rtl="0" eaLnBrk="1" fontAlgn="ctr" latinLnBrk="0" hangingPunct="1">
+                        <a:lnSpc>
+                          <a:spcPct val="150000"/>
+                        </a:lnSpc>
+                      </a:pPr>
+                      <a:r>
+                        <a:rPr lang="en-US" altLang="zh-CN" sz="1400" b="0" kern="1200" dirty="0" err="1">
+                          <a:solidFill>
+                            <a:schemeClr val="bg1"/>
+                          </a:solidFill>
+                          <a:effectLst/>
+                          <a:latin typeface="微软雅黑" panose="020B0503020204020204" pitchFamily="34" charset="-122"/>
+                          <a:ea typeface="微软雅黑" panose="020B0503020204020204" pitchFamily="34" charset="-122"/>
+                          <a:cs typeface="+mn-cs"/>
+                        </a:rPr>
+                        <a:t>B+Tree</a:t>
+                      </a:r>
+                      <a:r>
+                        <a:rPr lang="zh-CN" altLang="en-US" sz="1400" b="0" kern="1200" dirty="0">
+                          <a:solidFill>
+                            <a:schemeClr val="bg1"/>
+                          </a:solidFill>
+                          <a:effectLst/>
+                          <a:latin typeface="微软雅黑" panose="020B0503020204020204" pitchFamily="34" charset="-122"/>
+                          <a:ea typeface="微软雅黑" panose="020B0503020204020204" pitchFamily="34" charset="-122"/>
+                          <a:cs typeface="+mn-cs"/>
+                        </a:rPr>
+                        <a:t>索引</a:t>
+                      </a:r>
+                    </a:p>
+                  </a:txBody>
+                  <a:tcPr marL="18100" marR="18100" marT="18100" marB="18100" anchor="ctr">
+                    <a:lnL w="9525" cap="flat" cmpd="sng" algn="ctr">
+                      <a:solidFill>
+                        <a:srgbClr val="DDDDDD"/>
+                      </a:solidFill>
+                      <a:prstDash val="solid"/>
+                      <a:round/>
+                      <a:headEnd type="none" w="med" len="med"/>
+                      <a:tailEnd type="none" w="med" len="med"/>
+                    </a:lnL>
+                    <a:lnR w="9525" cap="flat" cmpd="sng" algn="ctr">
+                      <a:solidFill>
+                        <a:srgbClr val="DDDDDD"/>
+                      </a:solidFill>
+                      <a:prstDash val="solid"/>
+                      <a:round/>
+                      <a:headEnd type="none" w="med" len="med"/>
+                      <a:tailEnd type="none" w="med" len="med"/>
+                    </a:lnR>
+                    <a:lnT w="9525" cap="flat" cmpd="sng" algn="ctr">
+                      <a:solidFill>
+                        <a:srgbClr val="DDDDDD"/>
+                      </a:solidFill>
+                      <a:prstDash val="solid"/>
+                      <a:round/>
+                      <a:headEnd type="none" w="med" len="med"/>
+                      <a:tailEnd type="none" w="med" len="med"/>
+                    </a:lnT>
+                    <a:lnB w="9525" cap="flat" cmpd="sng" algn="ctr">
+                      <a:solidFill>
+                        <a:srgbClr val="DDDDDD"/>
+                      </a:solidFill>
+                      <a:prstDash val="solid"/>
+                      <a:round/>
+                      <a:headEnd type="none" w="med" len="med"/>
+                      <a:tailEnd type="none" w="med" len="med"/>
+                    </a:lnB>
+                    <a:solidFill>
+                      <a:schemeClr val="bg1">
+                        <a:lumMod val="50000"/>
+                      </a:schemeClr>
+                    </a:solidFill>
+                  </a:tcPr>
+                </a:tc>
+                <a:tc>
+                  <a:txBody>
+                    <a:bodyPr/>
+                    <a:lstStyle/>
+                    <a:p>
+                      <a:pPr algn="ctr" fontAlgn="ctr">
+                        <a:lnSpc>
+                          <a:spcPct val="150000"/>
+                        </a:lnSpc>
+                      </a:pPr>
+                      <a:endParaRPr lang="zh-CN" altLang="en-US" sz="1400" dirty="0">
+                        <a:solidFill>
+                          <a:schemeClr val="bg1"/>
+                        </a:solidFill>
+                        <a:effectLst/>
+                        <a:latin typeface="微软雅黑" panose="020B0503020204020204" pitchFamily="34" charset="-122"/>
+                        <a:ea typeface="微软雅黑" panose="020B0503020204020204" pitchFamily="34" charset="-122"/>
+                      </a:endParaRPr>
+                    </a:p>
+                  </a:txBody>
+                  <a:tcPr marL="18100" marR="18100" marT="18100" marB="18100" anchor="ctr">
+                    <a:lnL w="9525" cap="flat" cmpd="sng" algn="ctr">
+                      <a:solidFill>
+                        <a:srgbClr val="DDDDDD"/>
+                      </a:solidFill>
+                      <a:prstDash val="solid"/>
+                      <a:round/>
+                      <a:headEnd type="none" w="med" len="med"/>
+                      <a:tailEnd type="none" w="med" len="med"/>
+                    </a:lnL>
+                    <a:lnR w="9525" cap="flat" cmpd="sng" algn="ctr">
+                      <a:solidFill>
+                        <a:srgbClr val="DDDDDD"/>
+                      </a:solidFill>
+                      <a:prstDash val="solid"/>
+                      <a:round/>
+                      <a:headEnd type="none" w="med" len="med"/>
+                      <a:tailEnd type="none" w="med" len="med"/>
+                    </a:lnR>
+                    <a:lnT w="9525" cap="flat" cmpd="sng" algn="ctr">
+                      <a:solidFill>
+                        <a:srgbClr val="DDDDDD"/>
+                      </a:solidFill>
+                      <a:prstDash val="solid"/>
+                      <a:round/>
+                      <a:headEnd type="none" w="med" len="med"/>
+                      <a:tailEnd type="none" w="med" len="med"/>
+                    </a:lnT>
+                    <a:lnB w="9525" cap="flat" cmpd="sng" algn="ctr">
+                      <a:solidFill>
+                        <a:srgbClr val="DDDDDD"/>
+                      </a:solidFill>
+                      <a:prstDash val="solid"/>
+                      <a:round/>
+                      <a:headEnd type="none" w="med" len="med"/>
+                      <a:tailEnd type="none" w="med" len="med"/>
+                    </a:lnB>
+                    <a:noFill/>
+                  </a:tcPr>
+                </a:tc>
+                <a:tc>
+                  <a:txBody>
+                    <a:bodyPr/>
+                    <a:lstStyle/>
+                    <a:p>
+                      <a:pPr algn="ctr" fontAlgn="ctr">
+                        <a:lnSpc>
+                          <a:spcPct val="150000"/>
+                        </a:lnSpc>
+                      </a:pPr>
+                      <a:endParaRPr lang="en-US" sz="1400" dirty="0">
+                        <a:solidFill>
+                          <a:schemeClr val="bg1"/>
+                        </a:solidFill>
+                        <a:effectLst/>
+                        <a:latin typeface="微软雅黑" panose="020B0503020204020204" pitchFamily="34" charset="-122"/>
+                        <a:ea typeface="微软雅黑" panose="020B0503020204020204" pitchFamily="34" charset="-122"/>
+                      </a:endParaRPr>
+                    </a:p>
+                  </a:txBody>
+                  <a:tcPr marL="18100" marR="18100" marT="18100" marB="18100" anchor="ctr">
+                    <a:lnL w="9525" cap="flat" cmpd="sng" algn="ctr">
+                      <a:solidFill>
+                        <a:srgbClr val="DDDDDD"/>
+                      </a:solidFill>
+                      <a:prstDash val="solid"/>
+                      <a:round/>
+                      <a:headEnd type="none" w="med" len="med"/>
+                      <a:tailEnd type="none" w="med" len="med"/>
+                    </a:lnL>
+                    <a:lnR w="9525" cap="flat" cmpd="sng" algn="ctr">
+                      <a:solidFill>
+                        <a:srgbClr val="DDDDDD"/>
+                      </a:solidFill>
+                      <a:prstDash val="solid"/>
+                      <a:round/>
+                      <a:headEnd type="none" w="med" len="med"/>
+                      <a:tailEnd type="none" w="med" len="med"/>
+                    </a:lnR>
+                    <a:lnT w="9525" cap="flat" cmpd="sng" algn="ctr">
+                      <a:solidFill>
+                        <a:srgbClr val="DDDDDD"/>
+                      </a:solidFill>
+                      <a:prstDash val="solid"/>
+                      <a:round/>
+                      <a:headEnd type="none" w="med" len="med"/>
+                      <a:tailEnd type="none" w="med" len="med"/>
+                    </a:lnT>
+                    <a:lnB w="9525" cap="flat" cmpd="sng" algn="ctr">
+                      <a:solidFill>
+                        <a:srgbClr val="DDDDDD"/>
+                      </a:solidFill>
+                      <a:prstDash val="solid"/>
+                      <a:round/>
+                      <a:headEnd type="none" w="med" len="med"/>
+                      <a:tailEnd type="none" w="med" len="med"/>
+                    </a:lnB>
+                    <a:noFill/>
+                  </a:tcPr>
+                </a:tc>
+                <a:tc>
+                  <a:txBody>
+                    <a:bodyPr/>
+                    <a:lstStyle/>
+                    <a:p>
+                      <a:pPr algn="ctr" fontAlgn="ctr">
+                        <a:lnSpc>
+                          <a:spcPct val="150000"/>
+                        </a:lnSpc>
+                      </a:pPr>
+                      <a:endParaRPr lang="en-US" sz="1400" dirty="0">
+                        <a:solidFill>
+                          <a:schemeClr val="bg1"/>
+                        </a:solidFill>
+                        <a:effectLst/>
+                        <a:latin typeface="微软雅黑" panose="020B0503020204020204" pitchFamily="34" charset="-122"/>
+                        <a:ea typeface="微软雅黑" panose="020B0503020204020204" pitchFamily="34" charset="-122"/>
+                      </a:endParaRPr>
+                    </a:p>
+                  </a:txBody>
+                  <a:tcPr marL="18100" marR="18100" marT="18100" marB="18100" anchor="ctr">
+                    <a:lnL w="9525" cap="flat" cmpd="sng" algn="ctr">
+                      <a:solidFill>
+                        <a:srgbClr val="DDDDDD"/>
+                      </a:solidFill>
+                      <a:prstDash val="solid"/>
+                      <a:round/>
+                      <a:headEnd type="none" w="med" len="med"/>
+                      <a:tailEnd type="none" w="med" len="med"/>
+                    </a:lnL>
+                    <a:lnR w="9525" cap="flat" cmpd="sng" algn="ctr">
+                      <a:solidFill>
+                        <a:srgbClr val="DDDDDD"/>
+                      </a:solidFill>
+                      <a:prstDash val="solid"/>
+                      <a:round/>
+                      <a:headEnd type="none" w="med" len="med"/>
+                      <a:tailEnd type="none" w="med" len="med"/>
+                    </a:lnR>
+                    <a:lnT w="9525" cap="flat" cmpd="sng" algn="ctr">
+                      <a:solidFill>
+                        <a:srgbClr val="DDDDDD"/>
+                      </a:solidFill>
+                      <a:prstDash val="solid"/>
+                      <a:round/>
+                      <a:headEnd type="none" w="med" len="med"/>
+                      <a:tailEnd type="none" w="med" len="med"/>
+                    </a:lnT>
+                    <a:lnB w="9525" cap="flat" cmpd="sng" algn="ctr">
+                      <a:solidFill>
+                        <a:srgbClr val="DDDDDD"/>
+                      </a:solidFill>
+                      <a:prstDash val="solid"/>
+                      <a:round/>
+                      <a:headEnd type="none" w="med" len="med"/>
+                      <a:tailEnd type="none" w="med" len="med"/>
+                    </a:lnB>
+                    <a:noFill/>
+                  </a:tcPr>
+                </a:tc>
+                <a:extLst>
+                  <a:ext uri="{0D108BD9-81ED-4DB2-BD59-A6C34878D82A}">
+                    <a16:rowId xmlns:a16="http://schemas.microsoft.com/office/drawing/2014/main" val="1172037100"/>
+                  </a:ext>
+                </a:extLst>
+              </a:tr>
+              <a:tr h="414487">
+                <a:tc>
+                  <a:txBody>
+                    <a:bodyPr/>
+                    <a:lstStyle/>
+                    <a:p>
+                      <a:pPr marL="0" algn="ctr" defTabSz="914400" rtl="0" eaLnBrk="1" fontAlgn="ctr" latinLnBrk="0" hangingPunct="1">
+                        <a:lnSpc>
+                          <a:spcPct val="150000"/>
+                        </a:lnSpc>
+                      </a:pPr>
+                      <a:r>
+                        <a:rPr lang="en-US" altLang="zh-CN" sz="1400" b="0" kern="1200" dirty="0">
+                          <a:solidFill>
+                            <a:schemeClr val="bg1"/>
+                          </a:solidFill>
+                          <a:effectLst/>
+                          <a:latin typeface="微软雅黑" panose="020B0503020204020204" pitchFamily="34" charset="-122"/>
+                          <a:ea typeface="微软雅黑" panose="020B0503020204020204" pitchFamily="34" charset="-122"/>
+                          <a:cs typeface="+mn-cs"/>
+                        </a:rPr>
+                        <a:t>Hash</a:t>
+                      </a:r>
+                      <a:r>
+                        <a:rPr lang="zh-CN" altLang="en-US" sz="1400" b="0" kern="1200" dirty="0">
+                          <a:solidFill>
+                            <a:schemeClr val="bg1"/>
+                          </a:solidFill>
+                          <a:effectLst/>
+                          <a:latin typeface="微软雅黑" panose="020B0503020204020204" pitchFamily="34" charset="-122"/>
+                          <a:ea typeface="微软雅黑" panose="020B0503020204020204" pitchFamily="34" charset="-122"/>
+                          <a:cs typeface="+mn-cs"/>
+                        </a:rPr>
+                        <a:t>索引</a:t>
+                      </a:r>
+                    </a:p>
+                  </a:txBody>
+                  <a:tcPr marL="18100" marR="18100" marT="18100" marB="18100" anchor="ctr">
+                    <a:lnL w="9525" cap="flat" cmpd="sng" algn="ctr">
+                      <a:solidFill>
+                        <a:srgbClr val="DDDDDD"/>
+                      </a:solidFill>
+                      <a:prstDash val="solid"/>
+                      <a:round/>
+                      <a:headEnd type="none" w="med" len="med"/>
+                      <a:tailEnd type="none" w="med" len="med"/>
+                    </a:lnL>
+                    <a:lnR w="9525" cap="flat" cmpd="sng" algn="ctr">
+                      <a:solidFill>
+                        <a:srgbClr val="DDDDDD"/>
+                      </a:solidFill>
+                      <a:prstDash val="solid"/>
+                      <a:round/>
+                      <a:headEnd type="none" w="med" len="med"/>
+                      <a:tailEnd type="none" w="med" len="med"/>
+                    </a:lnR>
+                    <a:lnT w="9525" cap="flat" cmpd="sng" algn="ctr">
+                      <a:solidFill>
+                        <a:srgbClr val="DDDDDD"/>
+                      </a:solidFill>
+                      <a:prstDash val="solid"/>
+                      <a:round/>
+                      <a:headEnd type="none" w="med" len="med"/>
+                      <a:tailEnd type="none" w="med" len="med"/>
+                    </a:lnT>
+                    <a:lnB w="9525" cap="flat" cmpd="sng" algn="ctr">
+                      <a:solidFill>
+                        <a:srgbClr val="DDDDDD"/>
+                      </a:solidFill>
+                      <a:prstDash val="solid"/>
+                      <a:round/>
+                      <a:headEnd type="none" w="med" len="med"/>
+                      <a:tailEnd type="none" w="med" len="med"/>
+                    </a:lnB>
+                    <a:solidFill>
+                      <a:schemeClr val="bg1">
+                        <a:lumMod val="50000"/>
+                      </a:schemeClr>
+                    </a:solidFill>
+                  </a:tcPr>
+                </a:tc>
+                <a:tc>
+                  <a:txBody>
+                    <a:bodyPr/>
+                    <a:lstStyle/>
+                    <a:p>
+                      <a:pPr algn="ctr" fontAlgn="ctr">
+                        <a:lnSpc>
+                          <a:spcPct val="150000"/>
+                        </a:lnSpc>
+                      </a:pPr>
+                      <a:endParaRPr lang="zh-CN" altLang="en-US" sz="1400" dirty="0">
+                        <a:solidFill>
+                          <a:schemeClr val="bg1"/>
+                        </a:solidFill>
+                        <a:effectLst/>
+                        <a:latin typeface="微软雅黑" panose="020B0503020204020204" pitchFamily="34" charset="-122"/>
+                        <a:ea typeface="微软雅黑" panose="020B0503020204020204" pitchFamily="34" charset="-122"/>
+                      </a:endParaRPr>
+                    </a:p>
+                  </a:txBody>
+                  <a:tcPr marL="18100" marR="18100" marT="18100" marB="18100" anchor="ctr">
+                    <a:lnL w="9525" cap="flat" cmpd="sng" algn="ctr">
+                      <a:solidFill>
+                        <a:srgbClr val="DDDDDD"/>
+                      </a:solidFill>
+                      <a:prstDash val="solid"/>
+                      <a:round/>
+                      <a:headEnd type="none" w="med" len="med"/>
+                      <a:tailEnd type="none" w="med" len="med"/>
+                    </a:lnL>
+                    <a:lnR w="9525" cap="flat" cmpd="sng" algn="ctr">
+                      <a:solidFill>
+                        <a:srgbClr val="DDDDDD"/>
+                      </a:solidFill>
+                      <a:prstDash val="solid"/>
+                      <a:round/>
+                      <a:headEnd type="none" w="med" len="med"/>
+                      <a:tailEnd type="none" w="med" len="med"/>
+                    </a:lnR>
+                    <a:lnT w="9525" cap="flat" cmpd="sng" algn="ctr">
+                      <a:solidFill>
+                        <a:srgbClr val="DDDDDD"/>
+                      </a:solidFill>
+                      <a:prstDash val="solid"/>
+                      <a:round/>
+                      <a:headEnd type="none" w="med" len="med"/>
+                      <a:tailEnd type="none" w="med" len="med"/>
+                    </a:lnT>
+                    <a:lnB w="9525" cap="flat" cmpd="sng" algn="ctr">
+                      <a:solidFill>
+                        <a:srgbClr val="DDDDDD"/>
+                      </a:solidFill>
+                      <a:prstDash val="solid"/>
+                      <a:round/>
+                      <a:headEnd type="none" w="med" len="med"/>
+                      <a:tailEnd type="none" w="med" len="med"/>
+                    </a:lnB>
+                    <a:noFill/>
+                  </a:tcPr>
+                </a:tc>
+                <a:tc>
+                  <a:txBody>
+                    <a:bodyPr/>
+                    <a:lstStyle/>
+                    <a:p>
+                      <a:pPr algn="ctr" fontAlgn="ctr">
+                        <a:lnSpc>
+                          <a:spcPct val="150000"/>
+                        </a:lnSpc>
+                      </a:pPr>
+                      <a:endParaRPr lang="zh-CN" altLang="en-US" sz="1400" dirty="0">
+                        <a:solidFill>
+                          <a:schemeClr val="bg1"/>
+                        </a:solidFill>
+                        <a:effectLst/>
+                        <a:latin typeface="微软雅黑" panose="020B0503020204020204" pitchFamily="34" charset="-122"/>
+                        <a:ea typeface="微软雅黑" panose="020B0503020204020204" pitchFamily="34" charset="-122"/>
+                      </a:endParaRPr>
+                    </a:p>
+                  </a:txBody>
+                  <a:tcPr marL="18100" marR="18100" marT="18100" marB="18100" anchor="ctr">
+                    <a:lnL w="9525" cap="flat" cmpd="sng" algn="ctr">
+                      <a:solidFill>
+                        <a:srgbClr val="DDDDDD"/>
+                      </a:solidFill>
+                      <a:prstDash val="solid"/>
+                      <a:round/>
+                      <a:headEnd type="none" w="med" len="med"/>
+                      <a:tailEnd type="none" w="med" len="med"/>
+                    </a:lnL>
+                    <a:lnR w="9525" cap="flat" cmpd="sng" algn="ctr">
+                      <a:solidFill>
+                        <a:srgbClr val="DDDDDD"/>
+                      </a:solidFill>
+                      <a:prstDash val="solid"/>
+                      <a:round/>
+                      <a:headEnd type="none" w="med" len="med"/>
+                      <a:tailEnd type="none" w="med" len="med"/>
+                    </a:lnR>
+                    <a:lnT w="9525" cap="flat" cmpd="sng" algn="ctr">
+                      <a:solidFill>
+                        <a:srgbClr val="DDDDDD"/>
+                      </a:solidFill>
+                      <a:prstDash val="solid"/>
+                      <a:round/>
+                      <a:headEnd type="none" w="med" len="med"/>
+                      <a:tailEnd type="none" w="med" len="med"/>
+                    </a:lnT>
+                    <a:lnB w="9525" cap="flat" cmpd="sng" algn="ctr">
+                      <a:solidFill>
+                        <a:srgbClr val="DDDDDD"/>
+                      </a:solidFill>
+                      <a:prstDash val="solid"/>
+                      <a:round/>
+                      <a:headEnd type="none" w="med" len="med"/>
+                      <a:tailEnd type="none" w="med" len="med"/>
+                    </a:lnB>
+                    <a:noFill/>
+                  </a:tcPr>
+                </a:tc>
+                <a:tc>
+                  <a:txBody>
+                    <a:bodyPr/>
+                    <a:lstStyle/>
+                    <a:p>
+                      <a:pPr algn="ctr" fontAlgn="ctr">
+                        <a:lnSpc>
+                          <a:spcPct val="150000"/>
+                        </a:lnSpc>
+                      </a:pPr>
+                      <a:endParaRPr lang="zh-CN" altLang="en-US" sz="1400" dirty="0">
+                        <a:solidFill>
+                          <a:schemeClr val="bg1"/>
+                        </a:solidFill>
+                        <a:effectLst/>
+                        <a:latin typeface="微软雅黑" panose="020B0503020204020204" pitchFamily="34" charset="-122"/>
+                        <a:ea typeface="微软雅黑" panose="020B0503020204020204" pitchFamily="34" charset="-122"/>
+                      </a:endParaRPr>
+                    </a:p>
+                  </a:txBody>
+                  <a:tcPr marL="18100" marR="18100" marT="18100" marB="18100" anchor="ctr">
+                    <a:lnL w="9525" cap="flat" cmpd="sng" algn="ctr">
+                      <a:solidFill>
+                        <a:srgbClr val="DDDDDD"/>
+                      </a:solidFill>
+                      <a:prstDash val="solid"/>
+                      <a:round/>
+                      <a:headEnd type="none" w="med" len="med"/>
+                      <a:tailEnd type="none" w="med" len="med"/>
+                    </a:lnL>
+                    <a:lnR w="9525" cap="flat" cmpd="sng" algn="ctr">
+                      <a:solidFill>
+                        <a:srgbClr val="DDDDDD"/>
+                      </a:solidFill>
+                      <a:prstDash val="solid"/>
+                      <a:round/>
+                      <a:headEnd type="none" w="med" len="med"/>
+                      <a:tailEnd type="none" w="med" len="med"/>
+                    </a:lnR>
+                    <a:lnT w="9525" cap="flat" cmpd="sng" algn="ctr">
+                      <a:solidFill>
+                        <a:srgbClr val="DDDDDD"/>
+                      </a:solidFill>
+                      <a:prstDash val="solid"/>
+                      <a:round/>
+                      <a:headEnd type="none" w="med" len="med"/>
+                      <a:tailEnd type="none" w="med" len="med"/>
+                    </a:lnT>
+                    <a:lnB w="9525" cap="flat" cmpd="sng" algn="ctr">
+                      <a:solidFill>
+                        <a:srgbClr val="DDDDDD"/>
+                      </a:solidFill>
+                      <a:prstDash val="solid"/>
+                      <a:round/>
+                      <a:headEnd type="none" w="med" len="med"/>
+                      <a:tailEnd type="none" w="med" len="med"/>
+                    </a:lnB>
+                    <a:noFill/>
+                  </a:tcPr>
+                </a:tc>
+                <a:extLst>
+                  <a:ext uri="{0D108BD9-81ED-4DB2-BD59-A6C34878D82A}">
+                    <a16:rowId xmlns:a16="http://schemas.microsoft.com/office/drawing/2014/main" val="2243676995"/>
+                  </a:ext>
+                </a:extLst>
+              </a:tr>
+              <a:tr h="384887">
+                <a:tc>
+                  <a:txBody>
+                    <a:bodyPr/>
+                    <a:lstStyle/>
+                    <a:p>
+                      <a:pPr marL="0" algn="ctr" defTabSz="914400" rtl="0" eaLnBrk="1" fontAlgn="ctr" latinLnBrk="0" hangingPunct="1">
+                        <a:lnSpc>
+                          <a:spcPct val="150000"/>
+                        </a:lnSpc>
+                      </a:pPr>
+                      <a:r>
+                        <a:rPr lang="en-US" altLang="zh-CN" sz="1400" b="0" kern="1200" dirty="0">
+                          <a:solidFill>
+                            <a:schemeClr val="bg1"/>
+                          </a:solidFill>
+                          <a:effectLst/>
+                          <a:latin typeface="微软雅黑" panose="020B0503020204020204" pitchFamily="34" charset="-122"/>
+                          <a:ea typeface="微软雅黑" panose="020B0503020204020204" pitchFamily="34" charset="-122"/>
+                          <a:cs typeface="+mn-cs"/>
+                        </a:rPr>
+                        <a:t>R-Tree</a:t>
+                      </a:r>
+                      <a:r>
+                        <a:rPr lang="zh-CN" altLang="en-US" sz="1400" b="0" kern="1200" dirty="0">
+                          <a:solidFill>
+                            <a:schemeClr val="bg1"/>
+                          </a:solidFill>
+                          <a:effectLst/>
+                          <a:latin typeface="微软雅黑" panose="020B0503020204020204" pitchFamily="34" charset="-122"/>
+                          <a:ea typeface="微软雅黑" panose="020B0503020204020204" pitchFamily="34" charset="-122"/>
+                          <a:cs typeface="+mn-cs"/>
+                        </a:rPr>
+                        <a:t>索引</a:t>
+                      </a:r>
+                    </a:p>
+                  </a:txBody>
+                  <a:tcPr marL="18100" marR="18100" marT="18100" marB="18100" anchor="ctr">
+                    <a:lnL w="9525" cap="flat" cmpd="sng" algn="ctr">
+                      <a:solidFill>
+                        <a:srgbClr val="DDDDDD"/>
+                      </a:solidFill>
+                      <a:prstDash val="solid"/>
+                      <a:round/>
+                      <a:headEnd type="none" w="med" len="med"/>
+                      <a:tailEnd type="none" w="med" len="med"/>
+                    </a:lnL>
+                    <a:lnR w="9525" cap="flat" cmpd="sng" algn="ctr">
+                      <a:solidFill>
+                        <a:srgbClr val="DDDDDD"/>
+                      </a:solidFill>
+                      <a:prstDash val="solid"/>
+                      <a:round/>
+                      <a:headEnd type="none" w="med" len="med"/>
+                      <a:tailEnd type="none" w="med" len="med"/>
+                    </a:lnR>
+                    <a:lnT w="9525" cap="flat" cmpd="sng" algn="ctr">
+                      <a:solidFill>
+                        <a:srgbClr val="DDDDDD"/>
+                      </a:solidFill>
+                      <a:prstDash val="solid"/>
+                      <a:round/>
+                      <a:headEnd type="none" w="med" len="med"/>
+                      <a:tailEnd type="none" w="med" len="med"/>
+                    </a:lnT>
+                    <a:lnB w="9525" cap="flat" cmpd="sng" algn="ctr">
+                      <a:solidFill>
+                        <a:srgbClr val="DDDDDD"/>
+                      </a:solidFill>
+                      <a:prstDash val="solid"/>
+                      <a:round/>
+                      <a:headEnd type="none" w="med" len="med"/>
+                      <a:tailEnd type="none" w="med" len="med"/>
+                    </a:lnB>
+                    <a:solidFill>
+                      <a:schemeClr val="bg1">
+                        <a:lumMod val="50000"/>
+                      </a:schemeClr>
+                    </a:solidFill>
+                  </a:tcPr>
+                </a:tc>
+                <a:tc>
+                  <a:txBody>
+                    <a:bodyPr/>
+                    <a:lstStyle/>
+                    <a:p>
+                      <a:pPr algn="ctr" fontAlgn="ctr">
+                        <a:lnSpc>
+                          <a:spcPct val="150000"/>
+                        </a:lnSpc>
+                      </a:pPr>
+                      <a:endParaRPr lang="en-US" sz="1400" dirty="0">
+                        <a:solidFill>
+                          <a:schemeClr val="bg1"/>
+                        </a:solidFill>
+                        <a:effectLst/>
+                        <a:latin typeface="微软雅黑" panose="020B0503020204020204" pitchFamily="34" charset="-122"/>
+                        <a:ea typeface="微软雅黑" panose="020B0503020204020204" pitchFamily="34" charset="-122"/>
+                      </a:endParaRPr>
+                    </a:p>
+                  </a:txBody>
+                  <a:tcPr marL="18100" marR="18100" marT="18100" marB="18100" anchor="ctr">
+                    <a:lnL w="9525" cap="flat" cmpd="sng" algn="ctr">
+                      <a:solidFill>
+                        <a:srgbClr val="DDDDDD"/>
+                      </a:solidFill>
+                      <a:prstDash val="solid"/>
+                      <a:round/>
+                      <a:headEnd type="none" w="med" len="med"/>
+                      <a:tailEnd type="none" w="med" len="med"/>
+                    </a:lnL>
+                    <a:lnR w="9525" cap="flat" cmpd="sng" algn="ctr">
+                      <a:solidFill>
+                        <a:srgbClr val="DDDDDD"/>
+                      </a:solidFill>
+                      <a:prstDash val="solid"/>
+                      <a:round/>
+                      <a:headEnd type="none" w="med" len="med"/>
+                      <a:tailEnd type="none" w="med" len="med"/>
+                    </a:lnR>
+                    <a:lnT w="9525" cap="flat" cmpd="sng" algn="ctr">
+                      <a:solidFill>
+                        <a:srgbClr val="DDDDDD"/>
+                      </a:solidFill>
+                      <a:prstDash val="solid"/>
+                      <a:round/>
+                      <a:headEnd type="none" w="med" len="med"/>
+                      <a:tailEnd type="none" w="med" len="med"/>
+                    </a:lnT>
+                    <a:lnB w="9525" cap="flat" cmpd="sng" algn="ctr">
+                      <a:solidFill>
+                        <a:srgbClr val="DDDDDD"/>
+                      </a:solidFill>
+                      <a:prstDash val="solid"/>
+                      <a:round/>
+                      <a:headEnd type="none" w="med" len="med"/>
+                      <a:tailEnd type="none" w="med" len="med"/>
+                    </a:lnB>
+                    <a:noFill/>
+                  </a:tcPr>
+                </a:tc>
+                <a:tc>
+                  <a:txBody>
+                    <a:bodyPr/>
+                    <a:lstStyle/>
+                    <a:p>
+                      <a:pPr algn="ctr" fontAlgn="ctr">
+                        <a:lnSpc>
+                          <a:spcPct val="150000"/>
+                        </a:lnSpc>
+                      </a:pPr>
+                      <a:endParaRPr lang="en-US" sz="1400" dirty="0">
+                        <a:solidFill>
+                          <a:schemeClr val="bg1"/>
+                        </a:solidFill>
+                        <a:effectLst/>
+                        <a:latin typeface="微软雅黑" panose="020B0503020204020204" pitchFamily="34" charset="-122"/>
+                        <a:ea typeface="微软雅黑" panose="020B0503020204020204" pitchFamily="34" charset="-122"/>
+                      </a:endParaRPr>
+                    </a:p>
+                  </a:txBody>
+                  <a:tcPr marL="18100" marR="18100" marT="18100" marB="18100" anchor="ctr">
+                    <a:lnL w="9525" cap="flat" cmpd="sng" algn="ctr">
+                      <a:solidFill>
+                        <a:srgbClr val="DDDDDD"/>
+                      </a:solidFill>
+                      <a:prstDash val="solid"/>
+                      <a:round/>
+                      <a:headEnd type="none" w="med" len="med"/>
+                      <a:tailEnd type="none" w="med" len="med"/>
+                    </a:lnL>
+                    <a:lnR w="9525" cap="flat" cmpd="sng" algn="ctr">
+                      <a:solidFill>
+                        <a:srgbClr val="DDDDDD"/>
+                      </a:solidFill>
+                      <a:prstDash val="solid"/>
+                      <a:round/>
+                      <a:headEnd type="none" w="med" len="med"/>
+                      <a:tailEnd type="none" w="med" len="med"/>
+                    </a:lnR>
+                    <a:lnT w="9525" cap="flat" cmpd="sng" algn="ctr">
+                      <a:solidFill>
+                        <a:srgbClr val="DDDDDD"/>
+                      </a:solidFill>
+                      <a:prstDash val="solid"/>
+                      <a:round/>
+                      <a:headEnd type="none" w="med" len="med"/>
+                      <a:tailEnd type="none" w="med" len="med"/>
+                    </a:lnT>
+                    <a:lnB w="9525" cap="flat" cmpd="sng" algn="ctr">
+                      <a:solidFill>
+                        <a:srgbClr val="DDDDDD"/>
+                      </a:solidFill>
+                      <a:prstDash val="solid"/>
+                      <a:round/>
+                      <a:headEnd type="none" w="med" len="med"/>
+                      <a:tailEnd type="none" w="med" len="med"/>
+                    </a:lnB>
+                    <a:noFill/>
+                  </a:tcPr>
+                </a:tc>
+                <a:tc>
+                  <a:txBody>
+                    <a:bodyPr/>
+                    <a:lstStyle/>
+                    <a:p>
+                      <a:pPr algn="ctr" fontAlgn="ctr">
+                        <a:lnSpc>
+                          <a:spcPct val="150000"/>
+                        </a:lnSpc>
+                      </a:pPr>
+                      <a:endParaRPr lang="en-US" sz="1400" dirty="0">
+                        <a:solidFill>
+                          <a:schemeClr val="bg1"/>
+                        </a:solidFill>
+                        <a:effectLst/>
+                        <a:latin typeface="微软雅黑" panose="020B0503020204020204" pitchFamily="34" charset="-122"/>
+                        <a:ea typeface="微软雅黑" panose="020B0503020204020204" pitchFamily="34" charset="-122"/>
+                      </a:endParaRPr>
+                    </a:p>
+                  </a:txBody>
+                  <a:tcPr marL="18100" marR="18100" marT="18100" marB="18100" anchor="ctr">
+                    <a:lnL w="9525" cap="flat" cmpd="sng" algn="ctr">
+                      <a:solidFill>
+                        <a:srgbClr val="DDDDDD"/>
+                      </a:solidFill>
+                      <a:prstDash val="solid"/>
+                      <a:round/>
+                      <a:headEnd type="none" w="med" len="med"/>
+                      <a:tailEnd type="none" w="med" len="med"/>
+                    </a:lnL>
+                    <a:lnR w="9525" cap="flat" cmpd="sng" algn="ctr">
+                      <a:solidFill>
+                        <a:srgbClr val="DDDDDD"/>
+                      </a:solidFill>
+                      <a:prstDash val="solid"/>
+                      <a:round/>
+                      <a:headEnd type="none" w="med" len="med"/>
+                      <a:tailEnd type="none" w="med" len="med"/>
+                    </a:lnR>
+                    <a:lnT w="9525" cap="flat" cmpd="sng" algn="ctr">
+                      <a:solidFill>
+                        <a:srgbClr val="DDDDDD"/>
+                      </a:solidFill>
+                      <a:prstDash val="solid"/>
+                      <a:round/>
+                      <a:headEnd type="none" w="med" len="med"/>
+                      <a:tailEnd type="none" w="med" len="med"/>
+                    </a:lnT>
+                    <a:lnB w="9525" cap="flat" cmpd="sng" algn="ctr">
+                      <a:solidFill>
+                        <a:srgbClr val="DDDDDD"/>
+                      </a:solidFill>
+                      <a:prstDash val="solid"/>
+                      <a:round/>
+                      <a:headEnd type="none" w="med" len="med"/>
+                      <a:tailEnd type="none" w="med" len="med"/>
+                    </a:lnB>
+                    <a:noFill/>
+                  </a:tcPr>
+                </a:tc>
+                <a:extLst>
+                  <a:ext uri="{0D108BD9-81ED-4DB2-BD59-A6C34878D82A}">
+                    <a16:rowId xmlns:a16="http://schemas.microsoft.com/office/drawing/2014/main" val="4256870296"/>
+                  </a:ext>
+                </a:extLst>
+              </a:tr>
+              <a:tr h="367041">
+                <a:tc>
+                  <a:txBody>
+                    <a:bodyPr/>
+                    <a:lstStyle/>
+                    <a:p>
+                      <a:pPr marL="0" algn="ctr" defTabSz="914400" rtl="0" eaLnBrk="1" fontAlgn="ctr" latinLnBrk="0" hangingPunct="1">
+                        <a:lnSpc>
+                          <a:spcPct val="150000"/>
+                        </a:lnSpc>
+                      </a:pPr>
+                      <a:r>
+                        <a:rPr lang="zh-CN" altLang="en-US" sz="1400" b="0" kern="1200" dirty="0">
+                          <a:solidFill>
+                            <a:schemeClr val="bg1"/>
+                          </a:solidFill>
+                          <a:effectLst/>
+                          <a:latin typeface="微软雅黑" panose="020B0503020204020204" pitchFamily="34" charset="-122"/>
+                          <a:ea typeface="微软雅黑" panose="020B0503020204020204" pitchFamily="34" charset="-122"/>
+                          <a:cs typeface="+mn-cs"/>
+                        </a:rPr>
+                        <a:t>全文索引</a:t>
+                      </a:r>
+                    </a:p>
+                  </a:txBody>
+                  <a:tcPr marL="18100" marR="18100" marT="18100" marB="18100" anchor="ctr">
+                    <a:lnL w="9525" cap="flat" cmpd="sng" algn="ctr">
+                      <a:solidFill>
+                        <a:srgbClr val="DDDDDD"/>
+                      </a:solidFill>
+                      <a:prstDash val="solid"/>
+                      <a:round/>
+                      <a:headEnd type="none" w="med" len="med"/>
+                      <a:tailEnd type="none" w="med" len="med"/>
+                    </a:lnL>
+                    <a:lnR w="9525" cap="flat" cmpd="sng" algn="ctr">
+                      <a:solidFill>
+                        <a:srgbClr val="DDDDDD"/>
+                      </a:solidFill>
+                      <a:prstDash val="solid"/>
+                      <a:round/>
+                      <a:headEnd type="none" w="med" len="med"/>
+                      <a:tailEnd type="none" w="med" len="med"/>
+                    </a:lnR>
+                    <a:lnT w="9525" cap="flat" cmpd="sng" algn="ctr">
+                      <a:solidFill>
+                        <a:srgbClr val="DDDDDD"/>
+                      </a:solidFill>
+                      <a:prstDash val="solid"/>
+                      <a:round/>
+                      <a:headEnd type="none" w="med" len="med"/>
+                      <a:tailEnd type="none" w="med" len="med"/>
+                    </a:lnT>
+                    <a:lnB w="9525" cap="flat" cmpd="sng" algn="ctr">
+                      <a:solidFill>
+                        <a:srgbClr val="DDDDDD"/>
+                      </a:solidFill>
+                      <a:prstDash val="solid"/>
+                      <a:round/>
+                      <a:headEnd type="none" w="med" len="med"/>
+                      <a:tailEnd type="none" w="med" len="med"/>
+                    </a:lnB>
+                    <a:solidFill>
+                      <a:schemeClr val="bg1">
+                        <a:lumMod val="50000"/>
+                      </a:schemeClr>
+                    </a:solidFill>
+                  </a:tcPr>
+                </a:tc>
+                <a:tc>
+                  <a:txBody>
+                    <a:bodyPr/>
+                    <a:lstStyle/>
+                    <a:p>
+                      <a:pPr algn="ctr" fontAlgn="ctr">
+                        <a:lnSpc>
+                          <a:spcPct val="150000"/>
+                        </a:lnSpc>
+                      </a:pPr>
+                      <a:endParaRPr lang="en-US" sz="1400" dirty="0">
+                        <a:solidFill>
+                          <a:schemeClr val="bg1"/>
+                        </a:solidFill>
+                        <a:effectLst/>
+                        <a:latin typeface="微软雅黑" panose="020B0503020204020204" pitchFamily="34" charset="-122"/>
+                        <a:ea typeface="微软雅黑" panose="020B0503020204020204" pitchFamily="34" charset="-122"/>
+                      </a:endParaRPr>
+                    </a:p>
+                  </a:txBody>
+                  <a:tcPr marL="18100" marR="18100" marT="18100" marB="18100" anchor="ctr">
+                    <a:lnL w="9525" cap="flat" cmpd="sng" algn="ctr">
+                      <a:solidFill>
+                        <a:srgbClr val="DDDDDD"/>
+                      </a:solidFill>
+                      <a:prstDash val="solid"/>
+                      <a:round/>
+                      <a:headEnd type="none" w="med" len="med"/>
+                      <a:tailEnd type="none" w="med" len="med"/>
+                    </a:lnL>
+                    <a:lnR w="9525" cap="flat" cmpd="sng" algn="ctr">
+                      <a:solidFill>
+                        <a:srgbClr val="DDDDDD"/>
+                      </a:solidFill>
+                      <a:prstDash val="solid"/>
+                      <a:round/>
+                      <a:headEnd type="none" w="med" len="med"/>
+                      <a:tailEnd type="none" w="med" len="med"/>
+                    </a:lnR>
+                    <a:lnT w="9525" cap="flat" cmpd="sng" algn="ctr">
+                      <a:solidFill>
+                        <a:srgbClr val="DDDDDD"/>
+                      </a:solidFill>
+                      <a:prstDash val="solid"/>
+                      <a:round/>
+                      <a:headEnd type="none" w="med" len="med"/>
+                      <a:tailEnd type="none" w="med" len="med"/>
+                    </a:lnT>
+                    <a:lnB w="9525" cap="flat" cmpd="sng" algn="ctr">
+                      <a:solidFill>
+                        <a:srgbClr val="DDDDDD"/>
+                      </a:solidFill>
+                      <a:prstDash val="solid"/>
+                      <a:round/>
+                      <a:headEnd type="none" w="med" len="med"/>
+                      <a:tailEnd type="none" w="med" len="med"/>
+                    </a:lnB>
+                    <a:noFill/>
+                  </a:tcPr>
+                </a:tc>
+                <a:tc>
+                  <a:txBody>
+                    <a:bodyPr/>
+                    <a:lstStyle/>
+                    <a:p>
+                      <a:pPr algn="ctr" fontAlgn="ctr">
+                        <a:lnSpc>
+                          <a:spcPct val="150000"/>
+                        </a:lnSpc>
+                      </a:pPr>
+                      <a:endParaRPr lang="en-US" sz="1400" dirty="0">
+                        <a:solidFill>
+                          <a:schemeClr val="bg1"/>
+                        </a:solidFill>
+                        <a:effectLst/>
+                        <a:latin typeface="微软雅黑" panose="020B0503020204020204" pitchFamily="34" charset="-122"/>
+                        <a:ea typeface="微软雅黑" panose="020B0503020204020204" pitchFamily="34" charset="-122"/>
+                      </a:endParaRPr>
+                    </a:p>
+                  </a:txBody>
+                  <a:tcPr marL="18100" marR="18100" marT="18100" marB="18100" anchor="ctr">
+                    <a:lnL w="9525" cap="flat" cmpd="sng" algn="ctr">
+                      <a:solidFill>
+                        <a:srgbClr val="DDDDDD"/>
+                      </a:solidFill>
+                      <a:prstDash val="solid"/>
+                      <a:round/>
+                      <a:headEnd type="none" w="med" len="med"/>
+                      <a:tailEnd type="none" w="med" len="med"/>
+                    </a:lnL>
+                    <a:lnR w="9525" cap="flat" cmpd="sng" algn="ctr">
+                      <a:solidFill>
+                        <a:srgbClr val="DDDDDD"/>
+                      </a:solidFill>
+                      <a:prstDash val="solid"/>
+                      <a:round/>
+                      <a:headEnd type="none" w="med" len="med"/>
+                      <a:tailEnd type="none" w="med" len="med"/>
+                    </a:lnR>
+                    <a:lnT w="9525" cap="flat" cmpd="sng" algn="ctr">
+                      <a:solidFill>
+                        <a:srgbClr val="DDDDDD"/>
+                      </a:solidFill>
+                      <a:prstDash val="solid"/>
+                      <a:round/>
+                      <a:headEnd type="none" w="med" len="med"/>
+                      <a:tailEnd type="none" w="med" len="med"/>
+                    </a:lnT>
+                    <a:lnB w="9525" cap="flat" cmpd="sng" algn="ctr">
+                      <a:solidFill>
+                        <a:srgbClr val="DDDDDD"/>
+                      </a:solidFill>
+                      <a:prstDash val="solid"/>
+                      <a:round/>
+                      <a:headEnd type="none" w="med" len="med"/>
+                      <a:tailEnd type="none" w="med" len="med"/>
+                    </a:lnB>
+                    <a:noFill/>
+                  </a:tcPr>
+                </a:tc>
+                <a:tc>
+                  <a:txBody>
+                    <a:bodyPr/>
+                    <a:lstStyle/>
+                    <a:p>
+                      <a:pPr algn="ctr" fontAlgn="ctr">
+                        <a:lnSpc>
+                          <a:spcPct val="150000"/>
+                        </a:lnSpc>
+                      </a:pPr>
+                      <a:endParaRPr lang="en-US" sz="1400" dirty="0">
+                        <a:solidFill>
+                          <a:schemeClr val="bg1"/>
+                        </a:solidFill>
+                        <a:effectLst/>
+                        <a:latin typeface="微软雅黑" panose="020B0503020204020204" pitchFamily="34" charset="-122"/>
+                        <a:ea typeface="微软雅黑" panose="020B0503020204020204" pitchFamily="34" charset="-122"/>
+                      </a:endParaRPr>
+                    </a:p>
+                  </a:txBody>
+                  <a:tcPr marL="18100" marR="18100" marT="18100" marB="18100" anchor="ctr">
+                    <a:lnL w="9525" cap="flat" cmpd="sng" algn="ctr">
+                      <a:solidFill>
+                        <a:srgbClr val="DDDDDD"/>
+                      </a:solidFill>
+                      <a:prstDash val="solid"/>
+                      <a:round/>
+                      <a:headEnd type="none" w="med" len="med"/>
+                      <a:tailEnd type="none" w="med" len="med"/>
+                    </a:lnL>
+                    <a:lnR w="9525" cap="flat" cmpd="sng" algn="ctr">
+                      <a:solidFill>
+                        <a:srgbClr val="DDDDDD"/>
+                      </a:solidFill>
+                      <a:prstDash val="solid"/>
+                      <a:round/>
+                      <a:headEnd type="none" w="med" len="med"/>
+                      <a:tailEnd type="none" w="med" len="med"/>
+                    </a:lnR>
+                    <a:lnT w="9525" cap="flat" cmpd="sng" algn="ctr">
+                      <a:solidFill>
+                        <a:srgbClr val="DDDDDD"/>
+                      </a:solidFill>
+                      <a:prstDash val="solid"/>
+                      <a:round/>
+                      <a:headEnd type="none" w="med" len="med"/>
+                      <a:tailEnd type="none" w="med" len="med"/>
+                    </a:lnT>
+                    <a:lnB w="9525" cap="flat" cmpd="sng" algn="ctr">
+                      <a:solidFill>
+                        <a:srgbClr val="DDDDDD"/>
+                      </a:solidFill>
+                      <a:prstDash val="solid"/>
+                      <a:round/>
+                      <a:headEnd type="none" w="med" len="med"/>
+                      <a:tailEnd type="none" w="med" len="med"/>
+                    </a:lnB>
+                    <a:noFill/>
+                  </a:tcPr>
+                </a:tc>
+                <a:extLst>
+                  <a:ext uri="{0D108BD9-81ED-4DB2-BD59-A6C34878D82A}">
+                    <a16:rowId xmlns:a16="http://schemas.microsoft.com/office/drawing/2014/main" val="80458278"/>
+                  </a:ext>
+                </a:extLst>
+              </a:tr>
+            </a:tbl>
+          </a:graphicData>
+        </a:graphic>
+      </p:graphicFrame>
+      <p:pic>
+        <p:nvPicPr>
+          <p:cNvPr id="3" name="图片 2"/>
+          <p:cNvPicPr>
+            <a:picLocks noChangeAspect="1"/>
+          </p:cNvPicPr>
+          <p:nvPr/>
+        </p:nvPicPr>
+        <p:blipFill>
+          <a:blip r:embed="rId5" cstate="print">
+            <a:extLst>
+              <a:ext uri="{28A0092B-C50C-407E-A947-70E740481C1C}">
+                <a14:useLocalDpi xmlns:a14="http://schemas.microsoft.com/office/drawing/2010/main" val="0"/>
+              </a:ext>
+            </a:extLst>
+          </a:blip>
+          <a:stretch>
+            <a:fillRect/>
+          </a:stretch>
+        </p:blipFill>
+        <p:spPr>
+          <a:xfrm>
+            <a:off x="5157096" y="2762452"/>
+            <a:ext cx="263658" cy="263658"/>
+          </a:xfrm>
+          <a:prstGeom prst="rect">
+            <a:avLst/>
+          </a:prstGeom>
+        </p:spPr>
+      </p:pic>
+      <p:pic>
+        <p:nvPicPr>
+          <p:cNvPr id="2" name="图片 1"/>
+          <p:cNvPicPr>
+            <a:picLocks noChangeAspect="1"/>
+          </p:cNvPicPr>
+          <p:nvPr/>
+        </p:nvPicPr>
+        <p:blipFill>
+          <a:blip r:embed="rId6" cstate="print">
+            <a:extLst>
+              <a:ext uri="{28A0092B-C50C-407E-A947-70E740481C1C}">
+                <a14:useLocalDpi xmlns:a14="http://schemas.microsoft.com/office/drawing/2010/main" val="0"/>
+              </a:ext>
+            </a:extLst>
+          </a:blip>
+          <a:stretch>
+            <a:fillRect/>
+          </a:stretch>
+        </p:blipFill>
+        <p:spPr>
+          <a:xfrm>
+            <a:off x="6517896" y="2354063"/>
+            <a:ext cx="263658" cy="263658"/>
+          </a:xfrm>
+          <a:prstGeom prst="rect">
+            <a:avLst/>
+          </a:prstGeom>
+        </p:spPr>
+      </p:pic>
+      <p:sp>
+        <p:nvSpPr>
+          <p:cNvPr id="40" name="流程图: 过程 39">
+            <a:extLst>
+              <a:ext uri="{FF2B5EF4-FFF2-40B4-BE49-F238E27FC236}">
+                <a16:creationId xmlns:a16="http://schemas.microsoft.com/office/drawing/2014/main" id="{DEE6F68B-D383-4456-A945-5D2426316FC6}"/>
+              </a:ext>
+            </a:extLst>
+          </p:cNvPr>
+          <p:cNvSpPr/>
+          <p:nvPr/>
+        </p:nvSpPr>
+        <p:spPr>
+          <a:xfrm>
+            <a:off x="4969724" y="3980444"/>
+            <a:ext cx="3096344" cy="226304"/>
+          </a:xfrm>
+          <a:prstGeom prst="flowChartProcess">
+            <a:avLst/>
+          </a:prstGeom>
+          <a:noFill/>
+          <a:ln>
+            <a:noFill/>
+            <a:prstDash val="dash"/>
+          </a:ln>
+          <a:effectLst/>
+        </p:spPr>
+        <p:style>
+          <a:lnRef idx="2">
+            <a:schemeClr val="accent1">
+              <a:shade val="50000"/>
+            </a:schemeClr>
+          </a:lnRef>
+          <a:fillRef idx="1">
+            <a:schemeClr val="accent1"/>
+          </a:fillRef>
+          <a:effectRef idx="0">
+            <a:schemeClr val="accent1"/>
+          </a:effectRef>
+          <a:fontRef idx="minor">
+            <a:schemeClr val="lt1"/>
+          </a:fontRef>
+        </p:style>
+        <p:txBody>
+          <a:bodyPr rtlCol="0" anchor="ctr"/>
+          <a:lstStyle/>
+          <a:p>
+            <a:r>
+              <a:rPr lang="zh-CN" altLang="en-US" sz="1400" dirty="0">
+                <a:solidFill>
+                  <a:schemeClr val="bg1"/>
+                </a:solidFill>
+                <a:latin typeface="微软雅黑" panose="020B0503020204020204" pitchFamily="34" charset="-122"/>
+                <a:ea typeface="微软雅黑" panose="020B0503020204020204" pitchFamily="34" charset="-122"/>
+              </a:rPr>
+              <a:t>引擎支持的索引类型</a:t>
+            </a:r>
+          </a:p>
+        </p:txBody>
+      </p:sp>
+      <p:pic>
+        <p:nvPicPr>
+          <p:cNvPr id="14" name="图片 13">
+            <a:extLst>
+              <a:ext uri="{FF2B5EF4-FFF2-40B4-BE49-F238E27FC236}">
+                <a16:creationId xmlns:a16="http://schemas.microsoft.com/office/drawing/2014/main" id="{FA723158-11E8-4CEE-AB8C-9CF46C7DEEB4}"/>
+              </a:ext>
+            </a:extLst>
+          </p:cNvPr>
+          <p:cNvPicPr>
+            <a:picLocks noChangeAspect="1"/>
+          </p:cNvPicPr>
+          <p:nvPr/>
+        </p:nvPicPr>
+        <p:blipFill>
+          <a:blip r:embed="rId6" cstate="print">
+            <a:extLst>
+              <a:ext uri="{28A0092B-C50C-407E-A947-70E740481C1C}">
+                <a14:useLocalDpi xmlns:a14="http://schemas.microsoft.com/office/drawing/2010/main" val="0"/>
+              </a:ext>
+            </a:extLst>
+          </a:blip>
+          <a:stretch>
+            <a:fillRect/>
+          </a:stretch>
+        </p:blipFill>
+        <p:spPr>
+          <a:xfrm>
+            <a:off x="5157096" y="2354063"/>
+            <a:ext cx="263658" cy="263658"/>
+          </a:xfrm>
+          <a:prstGeom prst="rect">
+            <a:avLst/>
+          </a:prstGeom>
+        </p:spPr>
+      </p:pic>
+      <p:pic>
+        <p:nvPicPr>
+          <p:cNvPr id="15" name="图片 14">
+            <a:extLst>
+              <a:ext uri="{FF2B5EF4-FFF2-40B4-BE49-F238E27FC236}">
+                <a16:creationId xmlns:a16="http://schemas.microsoft.com/office/drawing/2014/main" id="{6511ECE7-6DA7-4ED2-8AFF-0C146F2E5CC5}"/>
+              </a:ext>
+            </a:extLst>
+          </p:cNvPr>
+          <p:cNvPicPr>
+            <a:picLocks noChangeAspect="1"/>
+          </p:cNvPicPr>
+          <p:nvPr/>
+        </p:nvPicPr>
+        <p:blipFill>
+          <a:blip r:embed="rId6" cstate="print">
+            <a:extLst>
+              <a:ext uri="{28A0092B-C50C-407E-A947-70E740481C1C}">
+                <a14:useLocalDpi xmlns:a14="http://schemas.microsoft.com/office/drawing/2010/main" val="0"/>
+              </a:ext>
+            </a:extLst>
+          </a:blip>
+          <a:stretch>
+            <a:fillRect/>
+          </a:stretch>
+        </p:blipFill>
+        <p:spPr>
+          <a:xfrm>
+            <a:off x="8047896" y="2354063"/>
+            <a:ext cx="263658" cy="263658"/>
+          </a:xfrm>
+          <a:prstGeom prst="rect">
+            <a:avLst/>
+          </a:prstGeom>
+        </p:spPr>
+      </p:pic>
+      <p:pic>
+        <p:nvPicPr>
+          <p:cNvPr id="22" name="图片 21">
+            <a:extLst>
+              <a:ext uri="{FF2B5EF4-FFF2-40B4-BE49-F238E27FC236}">
+                <a16:creationId xmlns:a16="http://schemas.microsoft.com/office/drawing/2014/main" id="{04469F23-C0A9-422B-AA89-2D734674D203}"/>
+              </a:ext>
+            </a:extLst>
+          </p:cNvPr>
+          <p:cNvPicPr>
+            <a:picLocks noChangeAspect="1"/>
+          </p:cNvPicPr>
+          <p:nvPr/>
+        </p:nvPicPr>
+        <p:blipFill>
+          <a:blip r:embed="rId5" cstate="print">
+            <a:extLst>
+              <a:ext uri="{28A0092B-C50C-407E-A947-70E740481C1C}">
+                <a14:useLocalDpi xmlns:a14="http://schemas.microsoft.com/office/drawing/2010/main" val="0"/>
+              </a:ext>
+            </a:extLst>
+          </a:blip>
+          <a:stretch>
+            <a:fillRect/>
+          </a:stretch>
+        </p:blipFill>
+        <p:spPr>
+          <a:xfrm>
+            <a:off x="5157096" y="3169252"/>
+            <a:ext cx="263658" cy="263658"/>
+          </a:xfrm>
+          <a:prstGeom prst="rect">
+            <a:avLst/>
+          </a:prstGeom>
+        </p:spPr>
+      </p:pic>
+      <p:pic>
+        <p:nvPicPr>
+          <p:cNvPr id="23" name="图片 22">
+            <a:extLst>
+              <a:ext uri="{FF2B5EF4-FFF2-40B4-BE49-F238E27FC236}">
+                <a16:creationId xmlns:a16="http://schemas.microsoft.com/office/drawing/2014/main" id="{A3C2F70C-0759-4EEC-A3D3-55537AB1BB2F}"/>
+              </a:ext>
+            </a:extLst>
+          </p:cNvPr>
+          <p:cNvPicPr>
+            <a:picLocks noChangeAspect="1"/>
+          </p:cNvPicPr>
+          <p:nvPr/>
+        </p:nvPicPr>
+        <p:blipFill>
+          <a:blip r:embed="rId5" cstate="print">
+            <a:extLst>
+              <a:ext uri="{28A0092B-C50C-407E-A947-70E740481C1C}">
+                <a14:useLocalDpi xmlns:a14="http://schemas.microsoft.com/office/drawing/2010/main" val="0"/>
+              </a:ext>
+            </a:extLst>
+          </a:blip>
+          <a:stretch>
+            <a:fillRect/>
+          </a:stretch>
+        </p:blipFill>
+        <p:spPr>
+          <a:xfrm>
+            <a:off x="5157096" y="3545325"/>
+            <a:ext cx="263658" cy="263658"/>
+          </a:xfrm>
+          <a:prstGeom prst="rect">
+            <a:avLst/>
+          </a:prstGeom>
+        </p:spPr>
+      </p:pic>
+      <p:pic>
+        <p:nvPicPr>
+          <p:cNvPr id="26" name="图片 25">
+            <a:extLst>
+              <a:ext uri="{FF2B5EF4-FFF2-40B4-BE49-F238E27FC236}">
+                <a16:creationId xmlns:a16="http://schemas.microsoft.com/office/drawing/2014/main" id="{516F94B9-0A3F-41CF-B8FB-F927B7AB7C12}"/>
+              </a:ext>
+            </a:extLst>
+          </p:cNvPr>
+          <p:cNvPicPr>
+            <a:picLocks noChangeAspect="1"/>
+          </p:cNvPicPr>
+          <p:nvPr/>
+        </p:nvPicPr>
+        <p:blipFill>
+          <a:blip r:embed="rId5" cstate="print">
+            <a:extLst>
+              <a:ext uri="{28A0092B-C50C-407E-A947-70E740481C1C}">
+                <a14:useLocalDpi xmlns:a14="http://schemas.microsoft.com/office/drawing/2010/main" val="0"/>
+              </a:ext>
+            </a:extLst>
+          </a:blip>
+          <a:stretch>
+            <a:fillRect/>
+          </a:stretch>
+        </p:blipFill>
+        <p:spPr>
+          <a:xfrm>
+            <a:off x="6517896" y="2762452"/>
+            <a:ext cx="263658" cy="263658"/>
+          </a:xfrm>
+          <a:prstGeom prst="rect">
+            <a:avLst/>
+          </a:prstGeom>
+        </p:spPr>
+      </p:pic>
+      <p:pic>
+        <p:nvPicPr>
+          <p:cNvPr id="27" name="图片 26">
+            <a:extLst>
+              <a:ext uri="{FF2B5EF4-FFF2-40B4-BE49-F238E27FC236}">
+                <a16:creationId xmlns:a16="http://schemas.microsoft.com/office/drawing/2014/main" id="{6F5CB140-F66D-49DA-B604-3B7236FAE838}"/>
+              </a:ext>
+            </a:extLst>
+          </p:cNvPr>
+          <p:cNvPicPr>
+            <a:picLocks noChangeAspect="1"/>
+          </p:cNvPicPr>
+          <p:nvPr/>
+        </p:nvPicPr>
+        <p:blipFill>
+          <a:blip r:embed="rId6" cstate="print">
+            <a:extLst>
+              <a:ext uri="{28A0092B-C50C-407E-A947-70E740481C1C}">
+                <a14:useLocalDpi xmlns:a14="http://schemas.microsoft.com/office/drawing/2010/main" val="0"/>
+              </a:ext>
+            </a:extLst>
+          </a:blip>
+          <a:stretch>
+            <a:fillRect/>
+          </a:stretch>
+        </p:blipFill>
+        <p:spPr>
+          <a:xfrm>
+            <a:off x="6517896" y="3169252"/>
+            <a:ext cx="263658" cy="263658"/>
+          </a:xfrm>
+          <a:prstGeom prst="rect">
+            <a:avLst/>
+          </a:prstGeom>
+        </p:spPr>
+      </p:pic>
+      <p:pic>
+        <p:nvPicPr>
+          <p:cNvPr id="28" name="图片 27">
+            <a:extLst>
+              <a:ext uri="{FF2B5EF4-FFF2-40B4-BE49-F238E27FC236}">
+                <a16:creationId xmlns:a16="http://schemas.microsoft.com/office/drawing/2014/main" id="{F40E4391-093F-4450-AFC1-1640B6DA82E0}"/>
+              </a:ext>
+            </a:extLst>
+          </p:cNvPr>
+          <p:cNvPicPr>
+            <a:picLocks noChangeAspect="1"/>
+          </p:cNvPicPr>
+          <p:nvPr/>
+        </p:nvPicPr>
+        <p:blipFill>
+          <a:blip r:embed="rId6" cstate="print">
+            <a:extLst>
+              <a:ext uri="{28A0092B-C50C-407E-A947-70E740481C1C}">
+                <a14:useLocalDpi xmlns:a14="http://schemas.microsoft.com/office/drawing/2010/main" val="0"/>
+              </a:ext>
+            </a:extLst>
+          </a:blip>
+          <a:stretch>
+            <a:fillRect/>
+          </a:stretch>
+        </p:blipFill>
+        <p:spPr>
+          <a:xfrm>
+            <a:off x="6517896" y="3547252"/>
+            <a:ext cx="263658" cy="263658"/>
+          </a:xfrm>
+          <a:prstGeom prst="rect">
+            <a:avLst/>
+          </a:prstGeom>
+        </p:spPr>
+      </p:pic>
+      <p:pic>
+        <p:nvPicPr>
+          <p:cNvPr id="29" name="图片 28">
+            <a:extLst>
+              <a:ext uri="{FF2B5EF4-FFF2-40B4-BE49-F238E27FC236}">
+                <a16:creationId xmlns:a16="http://schemas.microsoft.com/office/drawing/2014/main" id="{1054CD28-BFF9-4203-AB48-D5E63FCADE95}"/>
+              </a:ext>
+            </a:extLst>
+          </p:cNvPr>
+          <p:cNvPicPr>
+            <a:picLocks noChangeAspect="1"/>
+          </p:cNvPicPr>
+          <p:nvPr/>
+        </p:nvPicPr>
+        <p:blipFill>
+          <a:blip r:embed="rId5" cstate="print">
+            <a:extLst>
+              <a:ext uri="{28A0092B-C50C-407E-A947-70E740481C1C}">
+                <a14:useLocalDpi xmlns:a14="http://schemas.microsoft.com/office/drawing/2010/main" val="0"/>
+              </a:ext>
+            </a:extLst>
+          </a:blip>
+          <a:stretch>
+            <a:fillRect/>
+          </a:stretch>
+        </p:blipFill>
+        <p:spPr>
+          <a:xfrm>
+            <a:off x="8047896" y="3169252"/>
+            <a:ext cx="263658" cy="263658"/>
+          </a:xfrm>
+          <a:prstGeom prst="rect">
+            <a:avLst/>
+          </a:prstGeom>
+        </p:spPr>
+      </p:pic>
+      <p:pic>
+        <p:nvPicPr>
+          <p:cNvPr id="30" name="图片 29">
+            <a:extLst>
+              <a:ext uri="{FF2B5EF4-FFF2-40B4-BE49-F238E27FC236}">
+                <a16:creationId xmlns:a16="http://schemas.microsoft.com/office/drawing/2014/main" id="{5907F82C-E868-4016-B8D1-2C4FC00B67AA}"/>
+              </a:ext>
+            </a:extLst>
+          </p:cNvPr>
+          <p:cNvPicPr>
+            <a:picLocks noChangeAspect="1"/>
+          </p:cNvPicPr>
+          <p:nvPr/>
+        </p:nvPicPr>
+        <p:blipFill>
+          <a:blip r:embed="rId5" cstate="print">
+            <a:extLst>
+              <a:ext uri="{28A0092B-C50C-407E-A947-70E740481C1C}">
+                <a14:useLocalDpi xmlns:a14="http://schemas.microsoft.com/office/drawing/2010/main" val="0"/>
+              </a:ext>
+            </a:extLst>
+          </a:blip>
+          <a:stretch>
+            <a:fillRect/>
+          </a:stretch>
+        </p:blipFill>
+        <p:spPr>
+          <a:xfrm>
+            <a:off x="8047896" y="3545325"/>
+            <a:ext cx="263658" cy="263658"/>
+          </a:xfrm>
+          <a:prstGeom prst="rect">
+            <a:avLst/>
+          </a:prstGeom>
+        </p:spPr>
+      </p:pic>
+      <p:pic>
+        <p:nvPicPr>
+          <p:cNvPr id="31" name="图片 30">
+            <a:extLst>
+              <a:ext uri="{FF2B5EF4-FFF2-40B4-BE49-F238E27FC236}">
+                <a16:creationId xmlns:a16="http://schemas.microsoft.com/office/drawing/2014/main" id="{4A941395-7ADB-40C7-8E5E-69521F5C48ED}"/>
+              </a:ext>
+            </a:extLst>
+          </p:cNvPr>
+          <p:cNvPicPr>
+            <a:picLocks noChangeAspect="1"/>
+          </p:cNvPicPr>
+          <p:nvPr/>
+        </p:nvPicPr>
+        <p:blipFill>
+          <a:blip r:embed="rId6" cstate="print">
+            <a:extLst>
+              <a:ext uri="{28A0092B-C50C-407E-A947-70E740481C1C}">
+                <a14:useLocalDpi xmlns:a14="http://schemas.microsoft.com/office/drawing/2010/main" val="0"/>
+              </a:ext>
+            </a:extLst>
+          </a:blip>
+          <a:stretch>
+            <a:fillRect/>
+          </a:stretch>
+        </p:blipFill>
+        <p:spPr>
+          <a:xfrm>
+            <a:off x="8047896" y="2762452"/>
+            <a:ext cx="263658" cy="263658"/>
+          </a:xfrm>
+          <a:prstGeom prst="rect">
+            <a:avLst/>
+          </a:prstGeom>
+        </p:spPr>
+      </p:pic>
+    </p:spTree>
+    <p:extLst>
+      <p:ext uri="{BB962C8B-B14F-4D97-AF65-F5344CB8AC3E}">
+        <p14:creationId xmlns:p14="http://schemas.microsoft.com/office/powerpoint/2010/main" val="515400286"/>
+      </p:ext>
+    </p:extLst>
+  </p:cSld>
+  <p:clrMapOvr>
+    <a:masterClrMapping/>
+  </p:clrMapOvr>
+  <p:transition spd="med"/>
+</p:sld>
+</file>
+
+<file path=ppt/slides/slide2.xml><?xml version="1.0" encoding="utf-8"?>
+<p:sld xmlns:a="http://schemas.openxmlformats.org/drawingml/2006/main" xmlns:r="http://schemas.openxmlformats.org/officeDocument/2006/relationships" xmlns:p="http://schemas.openxmlformats.org/presentationml/2006/main" showMasterSp="0">
+  <p:cSld>
+    <p:bg>
+      <p:bgPr>
+        <a:blipFill dpi="0" rotWithShape="1">
+          <a:blip r:embed="rId3">
+            <a:lum/>
+          </a:blip>
+          <a:srcRect/>
+          <a:stretch>
+            <a:fillRect/>
+          </a:stretch>
+        </a:blipFill>
+        <a:effectLst/>
+      </p:bgPr>
+    </p:bg>
+    <p:spTree>
+      <p:nvGrpSpPr>
+        <p:cNvPr id="1" name=""/>
+        <p:cNvGrpSpPr/>
+        <p:nvPr/>
+      </p:nvGrpSpPr>
+      <p:grpSpPr>
+        <a:xfrm>
+          <a:off x="0" y="0"/>
+          <a:ext cx="0" cy="0"/>
+          <a:chOff x="0" y="0"/>
+          <a:chExt cx="0" cy="0"/>
+        </a:xfrm>
+      </p:grpSpPr>
+      <p:pic>
+        <p:nvPicPr>
+          <p:cNvPr id="39" name="图片 38">
+            <a:extLst>
+              <a:ext uri="{FF2B5EF4-FFF2-40B4-BE49-F238E27FC236}">
+                <a16:creationId xmlns:a16="http://schemas.microsoft.com/office/drawing/2014/main" id="{C49BA596-B860-41A3-9734-D1BA0CD74A42}"/>
+              </a:ext>
+            </a:extLst>
+          </p:cNvPr>
+          <p:cNvPicPr>
+            <a:picLocks noChangeAspect="1"/>
+          </p:cNvPicPr>
+          <p:nvPr/>
+        </p:nvPicPr>
+        <p:blipFill>
+          <a:blip r:embed="rId4">
+            <a:extLst>
+              <a:ext uri="{28A0092B-C50C-407E-A947-70E740481C1C}">
+                <a14:useLocalDpi xmlns:a14="http://schemas.microsoft.com/office/drawing/2010/main" val="0"/>
+              </a:ext>
+            </a:extLst>
+          </a:blip>
+          <a:stretch>
+            <a:fillRect/>
+          </a:stretch>
+        </p:blipFill>
+        <p:spPr>
+          <a:xfrm>
             <a:off x="2531604" y="129249"/>
             <a:ext cx="7812868" cy="5991469"/>
           </a:xfrm>
@@ -11146,7 +13249,7 @@
 </p:sld>
 </file>
 
-<file path=ppt/slides/slide2.xml><?xml version="1.0" encoding="utf-8"?>
+<file path=ppt/slides/slide3.xml><?xml version="1.0" encoding="utf-8"?>
 <p:sld xmlns:a="http://schemas.openxmlformats.org/drawingml/2006/main" xmlns:r="http://schemas.openxmlformats.org/officeDocument/2006/relationships" xmlns:p="http://schemas.openxmlformats.org/presentationml/2006/main" showMasterSp="0">
   <p:cSld>
     <p:bg>
@@ -16903,7 +19006,7 @@
 </p:sld>
 </file>
 
-<file path=ppt/slides/slide3.xml><?xml version="1.0" encoding="utf-8"?>
+<file path=ppt/slides/slide4.xml><?xml version="1.0" encoding="utf-8"?>
 <p:sld xmlns:a="http://schemas.openxmlformats.org/drawingml/2006/main" xmlns:r="http://schemas.openxmlformats.org/officeDocument/2006/relationships" xmlns:p="http://schemas.openxmlformats.org/presentationml/2006/main" showMasterSp="0">
   <p:cSld>
     <p:bg>
@@ -22307,7 +24410,7 @@
 </p:sld>
 </file>
 
-<file path=ppt/slides/slide4.xml><?xml version="1.0" encoding="utf-8"?>
+<file path=ppt/slides/slide5.xml><?xml version="1.0" encoding="utf-8"?>
 <p:sld xmlns:a="http://schemas.openxmlformats.org/drawingml/2006/main" xmlns:r="http://schemas.openxmlformats.org/officeDocument/2006/relationships" xmlns:p="http://schemas.openxmlformats.org/presentationml/2006/main" showMasterSp="0">
   <p:cSld>
     <p:bg>
@@ -23910,7 +26013,7 @@
 </p:sld>
 </file>
 
-<file path=ppt/slides/slide5.xml><?xml version="1.0" encoding="utf-8"?>
+<file path=ppt/slides/slide6.xml><?xml version="1.0" encoding="utf-8"?>
 <p:sld xmlns:a="http://schemas.openxmlformats.org/drawingml/2006/main" xmlns:r="http://schemas.openxmlformats.org/officeDocument/2006/relationships" xmlns:p="http://schemas.openxmlformats.org/presentationml/2006/main" showMasterSp="0">
   <p:cSld>
     <p:bg>
@@ -25950,7 +28053,7 @@
 </p:sld>
 </file>
 
-<file path=ppt/slides/slide6.xml><?xml version="1.0" encoding="utf-8"?>
+<file path=ppt/slides/slide7.xml><?xml version="1.0" encoding="utf-8"?>
 <p:sld xmlns:a="http://schemas.openxmlformats.org/drawingml/2006/main" xmlns:r="http://schemas.openxmlformats.org/officeDocument/2006/relationships" xmlns:p="http://schemas.openxmlformats.org/presentationml/2006/main" showMasterSp="0">
   <p:cSld>
     <p:bg>
